--- a/Presentations/ProgressPresentation.pptx
+++ b/Presentations/ProgressPresentation.pptx
@@ -11,9 +11,10 @@
     <p:sldId id="258" r:id="rId5"/>
     <p:sldId id="259" r:id="rId6"/>
     <p:sldId id="261" r:id="rId7"/>
-    <p:sldId id="262" r:id="rId8"/>
-    <p:sldId id="263" r:id="rId9"/>
-    <p:sldId id="264" r:id="rId10"/>
+    <p:sldId id="265" r:id="rId8"/>
+    <p:sldId id="262" r:id="rId9"/>
+    <p:sldId id="263" r:id="rId10"/>
+    <p:sldId id="264" r:id="rId11"/>
   </p:sldIdLst>
   <p:sldSz cx="12192000" cy="6858000"/>
   <p:notesSz cx="6858000" cy="9144000"/>
@@ -112,6 +113,11 @@
       </a:defRPr>
     </a:lvl9pPr>
   </p:defaultTextStyle>
+  <p:extLst>
+    <p:ext uri="{EFAFB233-063F-42B5-8137-9DF3F51BA10A}">
+      <p15:sldGuideLst xmlns:p15="http://schemas.microsoft.com/office/powerpoint/2012/main"/>
+    </p:ext>
+  </p:extLst>
 </p:presentation>
 </file>
 
@@ -838,7 +844,7 @@
             <a:fld id="{B61BEF0D-F0BB-DE4B-95CE-6DB70DBA9567}" type="datetimeFigureOut">
               <a:rPr lang="en-US" dirty="0"/>
               <a:pPr/>
-              <a:t>3/23/2018</a:t>
+              <a:t>3/26/2018</a:t>
             </a:fld>
             <a:endParaRPr lang="en-US" dirty="0"/>
           </a:p>
@@ -1086,7 +1092,7 @@
             <a:fld id="{B61BEF0D-F0BB-DE4B-95CE-6DB70DBA9567}" type="datetimeFigureOut">
               <a:rPr lang="en-US" dirty="0"/>
               <a:pPr/>
-              <a:t>3/23/2018</a:t>
+              <a:t>3/26/2018</a:t>
             </a:fld>
             <a:endParaRPr lang="en-US" dirty="0"/>
           </a:p>
@@ -1397,7 +1403,7 @@
             <a:fld id="{B61BEF0D-F0BB-DE4B-95CE-6DB70DBA9567}" type="datetimeFigureOut">
               <a:rPr lang="en-US" dirty="0"/>
               <a:pPr/>
-              <a:t>3/23/2018</a:t>
+              <a:t>3/26/2018</a:t>
             </a:fld>
             <a:endParaRPr lang="en-US" dirty="0"/>
           </a:p>
@@ -1735,7 +1741,7 @@
             <a:fld id="{B61BEF0D-F0BB-DE4B-95CE-6DB70DBA9567}" type="datetimeFigureOut">
               <a:rPr lang="en-US" dirty="0"/>
               <a:pPr/>
-              <a:t>3/23/2018</a:t>
+              <a:t>3/26/2018</a:t>
             </a:fld>
             <a:endParaRPr lang="en-US" dirty="0"/>
           </a:p>
@@ -2046,7 +2052,7 @@
             <a:fld id="{B61BEF0D-F0BB-DE4B-95CE-6DB70DBA9567}" type="datetimeFigureOut">
               <a:rPr lang="en-US" dirty="0"/>
               <a:pPr/>
-              <a:t>3/23/2018</a:t>
+              <a:t>3/26/2018</a:t>
             </a:fld>
             <a:endParaRPr lang="en-US" dirty="0"/>
           </a:p>
@@ -2436,7 +2442,7 @@
             <a:fld id="{B61BEF0D-F0BB-DE4B-95CE-6DB70DBA9567}" type="datetimeFigureOut">
               <a:rPr lang="en-US" dirty="0"/>
               <a:pPr/>
-              <a:t>3/23/2018</a:t>
+              <a:t>3/26/2018</a:t>
             </a:fld>
             <a:endParaRPr lang="en-US" dirty="0"/>
           </a:p>
@@ -2602,7 +2608,7 @@
           <a:p>
             <a:fld id="{55C6B4A9-1611-4792-9094-5F34BCA07E0B}" type="datetimeFigureOut">
               <a:rPr lang="en-US" dirty="0"/>
-              <a:t>3/23/2018</a:t>
+              <a:t>3/26/2018</a:t>
             </a:fld>
             <a:endParaRPr lang="en-US" dirty="0"/>
           </a:p>
@@ -2778,7 +2784,7 @@
             <a:fld id="{B61BEF0D-F0BB-DE4B-95CE-6DB70DBA9567}" type="datetimeFigureOut">
               <a:rPr lang="en-US" dirty="0"/>
               <a:pPr/>
-              <a:t>3/23/2018</a:t>
+              <a:t>3/26/2018</a:t>
             </a:fld>
             <a:endParaRPr lang="en-US" dirty="0"/>
           </a:p>
@@ -2951,7 +2957,7 @@
             <a:fld id="{B61BEF0D-F0BB-DE4B-95CE-6DB70DBA9567}" type="datetimeFigureOut">
               <a:rPr lang="en-US" dirty="0"/>
               <a:pPr/>
-              <a:t>3/23/2018</a:t>
+              <a:t>3/26/2018</a:t>
             </a:fld>
             <a:endParaRPr lang="en-US" dirty="0"/>
           </a:p>
@@ -3195,7 +3201,7 @@
             <a:fld id="{B61BEF0D-F0BB-DE4B-95CE-6DB70DBA9567}" type="datetimeFigureOut">
               <a:rPr lang="en-US" dirty="0"/>
               <a:pPr/>
-              <a:t>3/23/2018</a:t>
+              <a:t>3/26/2018</a:t>
             </a:fld>
             <a:endParaRPr lang="en-US" dirty="0"/>
           </a:p>
@@ -3423,7 +3429,7 @@
           <a:p>
             <a:fld id="{EB712588-04B1-427B-82EE-E8DB90309F08}" type="datetimeFigureOut">
               <a:rPr lang="en-US" dirty="0"/>
-              <a:t>3/23/2018</a:t>
+              <a:t>3/26/2018</a:t>
             </a:fld>
             <a:endParaRPr lang="en-US" dirty="0"/>
           </a:p>
@@ -3793,7 +3799,7 @@
             <a:fld id="{B61BEF0D-F0BB-DE4B-95CE-6DB70DBA9567}" type="datetimeFigureOut">
               <a:rPr lang="en-US" dirty="0"/>
               <a:pPr/>
-              <a:t>3/23/2018</a:t>
+              <a:t>3/26/2018</a:t>
             </a:fld>
             <a:endParaRPr lang="en-US" dirty="0"/>
           </a:p>
@@ -3913,7 +3919,7 @@
             <a:fld id="{B61BEF0D-F0BB-DE4B-95CE-6DB70DBA9567}" type="datetimeFigureOut">
               <a:rPr lang="en-US" dirty="0"/>
               <a:pPr/>
-              <a:t>3/23/2018</a:t>
+              <a:t>3/26/2018</a:t>
             </a:fld>
             <a:endParaRPr lang="en-US" dirty="0"/>
           </a:p>
@@ -4005,7 +4011,7 @@
             <a:fld id="{B61BEF0D-F0BB-DE4B-95CE-6DB70DBA9567}" type="datetimeFigureOut">
               <a:rPr lang="en-US" dirty="0"/>
               <a:pPr/>
-              <a:t>3/23/2018</a:t>
+              <a:t>3/26/2018</a:t>
             </a:fld>
             <a:endParaRPr lang="en-US" dirty="0"/>
           </a:p>
@@ -4256,7 +4262,7 @@
           <a:p>
             <a:fld id="{42A54C80-263E-416B-A8E0-580EDEADCBDC}" type="datetimeFigureOut">
               <a:rPr lang="en-US" dirty="0"/>
-              <a:t>3/23/2018</a:t>
+              <a:t>3/26/2018</a:t>
             </a:fld>
             <a:endParaRPr lang="en-US" dirty="0"/>
           </a:p>
@@ -4515,7 +4521,7 @@
             <a:fld id="{B61BEF0D-F0BB-DE4B-95CE-6DB70DBA9567}" type="datetimeFigureOut">
               <a:rPr lang="en-US" dirty="0"/>
               <a:pPr/>
-              <a:t>3/23/2018</a:t>
+              <a:t>3/26/2018</a:t>
             </a:fld>
             <a:endParaRPr lang="en-US" dirty="0"/>
           </a:p>
@@ -5255,7 +5261,7 @@
             <a:fld id="{B61BEF0D-F0BB-DE4B-95CE-6DB70DBA9567}" type="datetimeFigureOut">
               <a:rPr lang="en-US" dirty="0"/>
               <a:pPr/>
-              <a:t>3/23/2018</a:t>
+              <a:t>3/26/2018</a:t>
             </a:fld>
             <a:endParaRPr lang="en-US" dirty="0"/>
           </a:p>
@@ -5857,6 +5863,89 @@
 </p:sld>
 </file>
 
+<file path=ppt/slides/slide10.xml><?xml version="1.0" encoding="utf-8"?>
+<p:sld xmlns:a="http://schemas.openxmlformats.org/drawingml/2006/main" xmlns:r="http://schemas.openxmlformats.org/officeDocument/2006/relationships" xmlns:p="http://schemas.openxmlformats.org/presentationml/2006/main">
+  <p:cSld>
+    <p:spTree>
+      <p:nvGrpSpPr>
+        <p:cNvPr id="1" name=""/>
+        <p:cNvGrpSpPr/>
+        <p:nvPr/>
+      </p:nvGrpSpPr>
+      <p:grpSpPr>
+        <a:xfrm>
+          <a:off x="0" y="0"/>
+          <a:ext cx="0" cy="0"/>
+          <a:chOff x="0" y="0"/>
+          <a:chExt cx="0" cy="0"/>
+        </a:xfrm>
+      </p:grpSpPr>
+      <p:sp>
+        <p:nvSpPr>
+          <p:cNvPr id="2" name="Title 1">
+            <a:extLst>
+              <a:ext uri="{FF2B5EF4-FFF2-40B4-BE49-F238E27FC236}">
+                <a16:creationId xmlns:a16="http://schemas.microsoft.com/office/drawing/2014/main" id="{C9D51AB2-939D-471A-82D5-E1978652FA4F}"/>
+              </a:ext>
+            </a:extLst>
+          </p:cNvPr>
+          <p:cNvSpPr>
+            <a:spLocks noGrp="1"/>
+          </p:cNvSpPr>
+          <p:nvPr>
+            <p:ph type="title"/>
+          </p:nvPr>
+        </p:nvSpPr>
+        <p:spPr/>
+        <p:txBody>
+          <a:bodyPr/>
+          <a:lstStyle/>
+          <a:p>
+            <a:r>
+              <a:rPr lang="en-US" dirty="0"/>
+              <a:t>Any Questions? </a:t>
+            </a:r>
+          </a:p>
+        </p:txBody>
+      </p:sp>
+      <p:sp>
+        <p:nvSpPr>
+          <p:cNvPr id="3" name="Content Placeholder 2">
+            <a:extLst>
+              <a:ext uri="{FF2B5EF4-FFF2-40B4-BE49-F238E27FC236}">
+                <a16:creationId xmlns:a16="http://schemas.microsoft.com/office/drawing/2014/main" id="{A1F37D49-0D05-43AF-8877-3EA59E2F33AB}"/>
+              </a:ext>
+            </a:extLst>
+          </p:cNvPr>
+          <p:cNvSpPr>
+            <a:spLocks noGrp="1"/>
+          </p:cNvSpPr>
+          <p:nvPr>
+            <p:ph idx="1"/>
+          </p:nvPr>
+        </p:nvSpPr>
+        <p:spPr/>
+        <p:txBody>
+          <a:bodyPr/>
+          <a:lstStyle/>
+          <a:p>
+            <a:endParaRPr lang="en-US"/>
+          </a:p>
+        </p:txBody>
+      </p:sp>
+    </p:spTree>
+    <p:extLst>
+      <p:ext uri="{BB962C8B-B14F-4D97-AF65-F5344CB8AC3E}">
+        <p14:creationId xmlns:p14="http://schemas.microsoft.com/office/powerpoint/2010/main" val="2246746884"/>
+      </p:ext>
+    </p:extLst>
+  </p:cSld>
+  <p:clrMapOvr>
+    <a:masterClrMapping/>
+  </p:clrMapOvr>
+</p:sld>
+</file>
+
 <file path=ppt/slides/slide2.xml><?xml version="1.0" encoding="utf-8"?>
 <p:sld xmlns:a="http://schemas.openxmlformats.org/drawingml/2006/main" xmlns:r="http://schemas.openxmlformats.org/officeDocument/2006/relationships" xmlns:p="http://schemas.openxmlformats.org/presentationml/2006/main">
   <p:cSld>
@@ -6446,7 +6535,7 @@
           <p:cNvPr id="2" name="Title 1">
             <a:extLst>
               <a:ext uri="{FF2B5EF4-FFF2-40B4-BE49-F238E27FC236}">
-                <a16:creationId xmlns:a16="http://schemas.microsoft.com/office/drawing/2014/main" id="{8BA3F8E6-841C-4855-972F-F238036EE6F7}"/>
+                <a16:creationId xmlns:a16="http://schemas.microsoft.com/office/drawing/2014/main" id="{7ADC7478-32C1-42C1-A0A2-FB3F92697DF0}"/>
               </a:ext>
             </a:extLst>
           </p:cNvPr>
@@ -6464,7 +6553,7 @@
           <a:p>
             <a:r>
               <a:rPr lang="en-US" dirty="0"/>
-              <a:t>Demo </a:t>
+              <a:t>Animations</a:t>
             </a:r>
           </a:p>
         </p:txBody>
@@ -6474,7 +6563,7 @@
           <p:cNvPr id="3" name="Content Placeholder 2">
             <a:extLst>
               <a:ext uri="{FF2B5EF4-FFF2-40B4-BE49-F238E27FC236}">
-                <a16:creationId xmlns:a16="http://schemas.microsoft.com/office/drawing/2014/main" id="{1395AD4C-E6B9-46B3-9FD3-98304FBF19DA}"/>
+                <a16:creationId xmlns:a16="http://schemas.microsoft.com/office/drawing/2014/main" id="{65F3EF80-0B27-4FAB-9559-79A7A16578A3}"/>
               </a:ext>
             </a:extLst>
           </p:cNvPr>
@@ -6490,14 +6579,49 @@
           <a:bodyPr/>
           <a:lstStyle/>
           <a:p>
-            <a:endParaRPr lang="en-US"/>
+            <a:r>
+              <a:rPr lang="en-US" dirty="0"/>
+              <a:t>Animating using a sprite sheet </a:t>
+            </a:r>
+          </a:p>
+          <a:p>
+            <a:pPr lvl="1"/>
+            <a:r>
+              <a:rPr lang="en-US" dirty="0"/>
+              <a:t>All images of a single animation cycle are in a single file</a:t>
+            </a:r>
+          </a:p>
+          <a:p>
+            <a:pPr lvl="1"/>
+            <a:r>
+              <a:rPr lang="en-US" dirty="0"/>
+              <a:t> less memory, faster load times</a:t>
+            </a:r>
+          </a:p>
+          <a:p>
+            <a:r>
+              <a:rPr lang="en-US" dirty="0"/>
+              <a:t>Load the complete sprite sheet image file, then keep track of which part you want to load for any given frame. </a:t>
+            </a:r>
+          </a:p>
+          <a:p>
+            <a:r>
+              <a:rPr lang="en-US" dirty="0"/>
+              <a:t>Every sprite animated separately, gives fine control over the scene </a:t>
+            </a:r>
+          </a:p>
+          <a:p>
+            <a:r>
+              <a:rPr lang="en-US" dirty="0"/>
+              <a:t>Animation code currently implemented, but not widely used in the program</a:t>
+            </a:r>
           </a:p>
         </p:txBody>
       </p:sp>
     </p:spTree>
     <p:extLst>
       <p:ext uri="{BB962C8B-B14F-4D97-AF65-F5344CB8AC3E}">
-        <p14:creationId xmlns:p14="http://schemas.microsoft.com/office/powerpoint/2010/main" val="872691335"/>
+        <p14:creationId xmlns:p14="http://schemas.microsoft.com/office/powerpoint/2010/main" val="3719081118"/>
       </p:ext>
     </p:extLst>
   </p:cSld>
@@ -6529,7 +6653,7 @@
           <p:cNvPr id="2" name="Title 1">
             <a:extLst>
               <a:ext uri="{FF2B5EF4-FFF2-40B4-BE49-F238E27FC236}">
-                <a16:creationId xmlns:a16="http://schemas.microsoft.com/office/drawing/2014/main" id="{A4D5EE3B-1080-4F64-BEED-695281AE4AFB}"/>
+                <a16:creationId xmlns:a16="http://schemas.microsoft.com/office/drawing/2014/main" id="{8BA3F8E6-841C-4855-972F-F238036EE6F7}"/>
               </a:ext>
             </a:extLst>
           </p:cNvPr>
@@ -6547,7 +6671,7 @@
           <a:p>
             <a:r>
               <a:rPr lang="en-US" dirty="0"/>
-              <a:t>Future Work </a:t>
+              <a:t>Demo </a:t>
             </a:r>
           </a:p>
         </p:txBody>
@@ -6557,7 +6681,7 @@
           <p:cNvPr id="3" name="Content Placeholder 2">
             <a:extLst>
               <a:ext uri="{FF2B5EF4-FFF2-40B4-BE49-F238E27FC236}">
-                <a16:creationId xmlns:a16="http://schemas.microsoft.com/office/drawing/2014/main" id="{F2DD3725-A513-4E76-B0B2-E4657C97DCCA}"/>
+                <a16:creationId xmlns:a16="http://schemas.microsoft.com/office/drawing/2014/main" id="{1395AD4C-E6B9-46B3-9FD3-98304FBF19DA}"/>
               </a:ext>
             </a:extLst>
           </p:cNvPr>
@@ -6573,119 +6697,14 @@
           <a:bodyPr/>
           <a:lstStyle/>
           <a:p>
-            <a:r>
-              <a:rPr lang="en-US" dirty="0">
-                <a:solidFill>
-                  <a:schemeClr val="tx1"/>
-                </a:solidFill>
-              </a:rPr>
-              <a:t>Project is pretty much on schedule</a:t>
-            </a:r>
-          </a:p>
-          <a:p>
-            <a:pPr lvl="1"/>
-            <a:r>
-              <a:rPr lang="en-US" dirty="0">
-                <a:solidFill>
-                  <a:schemeClr val="tx1"/>
-                </a:solidFill>
-              </a:rPr>
-              <a:t>April 1</a:t>
-            </a:r>
-            <a:r>
-              <a:rPr lang="en-US" baseline="30000" dirty="0">
-                <a:solidFill>
-                  <a:schemeClr val="tx1"/>
-                </a:solidFill>
-              </a:rPr>
-              <a:t>st</a:t>
-            </a:r>
-            <a:r>
-              <a:rPr lang="en-US" dirty="0">
-                <a:solidFill>
-                  <a:schemeClr val="tx1"/>
-                </a:solidFill>
-              </a:rPr>
-              <a:t> – Complete implementation of Characters and Skills</a:t>
-            </a:r>
-          </a:p>
-          <a:p>
-            <a:pPr lvl="1"/>
-            <a:r>
-              <a:rPr lang="en-US" dirty="0">
-                <a:solidFill>
-                  <a:schemeClr val="tx1"/>
-                </a:solidFill>
-              </a:rPr>
-              <a:t>April 15</a:t>
-            </a:r>
-            <a:r>
-              <a:rPr lang="en-US" baseline="30000" dirty="0">
-                <a:solidFill>
-                  <a:schemeClr val="tx1"/>
-                </a:solidFill>
-              </a:rPr>
-              <a:t>th</a:t>
-            </a:r>
-            <a:r>
-              <a:rPr lang="en-US" dirty="0">
-                <a:solidFill>
-                  <a:schemeClr val="tx1"/>
-                </a:solidFill>
-              </a:rPr>
-              <a:t> – Implement map + at least 1 boss</a:t>
-            </a:r>
-          </a:p>
-          <a:p>
-            <a:pPr lvl="1"/>
-            <a:r>
-              <a:rPr lang="en-US" dirty="0">
-                <a:solidFill>
-                  <a:schemeClr val="tx1"/>
-                </a:solidFill>
-              </a:rPr>
-              <a:t>April 30</a:t>
-            </a:r>
-            <a:r>
-              <a:rPr lang="en-US" baseline="30000" dirty="0">
-                <a:solidFill>
-                  <a:schemeClr val="tx1"/>
-                </a:solidFill>
-              </a:rPr>
-              <a:t>th</a:t>
-            </a:r>
-            <a:r>
-              <a:rPr lang="en-US" dirty="0">
-                <a:solidFill>
-                  <a:schemeClr val="tx1"/>
-                </a:solidFill>
-              </a:rPr>
-              <a:t> – Improve Visuals + User Interface </a:t>
-            </a:r>
-          </a:p>
-          <a:p>
-            <a:pPr lvl="1"/>
-            <a:r>
-              <a:rPr lang="en-US" dirty="0">
-                <a:solidFill>
-                  <a:schemeClr val="tx1"/>
-                </a:solidFill>
-              </a:rPr>
-              <a:t>Stretch Goals – Add Story Features, Implement Additional Game Modes, More levels and Bosses</a:t>
-            </a:r>
-          </a:p>
-          <a:p>
-            <a:pPr marL="0" indent="0">
-              <a:buNone/>
-            </a:pPr>
-            <a:endParaRPr lang="en-US" dirty="0"/>
+            <a:endParaRPr lang="en-US"/>
           </a:p>
         </p:txBody>
       </p:sp>
     </p:spTree>
     <p:extLst>
       <p:ext uri="{BB962C8B-B14F-4D97-AF65-F5344CB8AC3E}">
-        <p14:creationId xmlns:p14="http://schemas.microsoft.com/office/powerpoint/2010/main" val="2969183844"/>
+        <p14:creationId xmlns:p14="http://schemas.microsoft.com/office/powerpoint/2010/main" val="872691335"/>
       </p:ext>
     </p:extLst>
   </p:cSld>
@@ -6717,7 +6736,7 @@
           <p:cNvPr id="2" name="Title 1">
             <a:extLst>
               <a:ext uri="{FF2B5EF4-FFF2-40B4-BE49-F238E27FC236}">
-                <a16:creationId xmlns:a16="http://schemas.microsoft.com/office/drawing/2014/main" id="{C9D51AB2-939D-471A-82D5-E1978652FA4F}"/>
+                <a16:creationId xmlns:a16="http://schemas.microsoft.com/office/drawing/2014/main" id="{A4D5EE3B-1080-4F64-BEED-695281AE4AFB}"/>
               </a:ext>
             </a:extLst>
           </p:cNvPr>
@@ -6735,7 +6754,7 @@
           <a:p>
             <a:r>
               <a:rPr lang="en-US" dirty="0"/>
-              <a:t>Any Questions? </a:t>
+              <a:t>Future Work </a:t>
             </a:r>
           </a:p>
         </p:txBody>
@@ -6745,7 +6764,7 @@
           <p:cNvPr id="3" name="Content Placeholder 2">
             <a:extLst>
               <a:ext uri="{FF2B5EF4-FFF2-40B4-BE49-F238E27FC236}">
-                <a16:creationId xmlns:a16="http://schemas.microsoft.com/office/drawing/2014/main" id="{A1F37D49-0D05-43AF-8877-3EA59E2F33AB}"/>
+                <a16:creationId xmlns:a16="http://schemas.microsoft.com/office/drawing/2014/main" id="{F2DD3725-A513-4E76-B0B2-E4657C97DCCA}"/>
               </a:ext>
             </a:extLst>
           </p:cNvPr>
@@ -6761,14 +6780,119 @@
           <a:bodyPr/>
           <a:lstStyle/>
           <a:p>
-            <a:endParaRPr lang="en-US"/>
+            <a:r>
+              <a:rPr lang="en-US" dirty="0">
+                <a:solidFill>
+                  <a:schemeClr val="tx1"/>
+                </a:solidFill>
+              </a:rPr>
+              <a:t>Project is pretty much on schedule</a:t>
+            </a:r>
+          </a:p>
+          <a:p>
+            <a:pPr lvl="1"/>
+            <a:r>
+              <a:rPr lang="en-US" dirty="0">
+                <a:solidFill>
+                  <a:schemeClr val="tx1"/>
+                </a:solidFill>
+              </a:rPr>
+              <a:t>April 1</a:t>
+            </a:r>
+            <a:r>
+              <a:rPr lang="en-US" baseline="30000" dirty="0">
+                <a:solidFill>
+                  <a:schemeClr val="tx1"/>
+                </a:solidFill>
+              </a:rPr>
+              <a:t>st</a:t>
+            </a:r>
+            <a:r>
+              <a:rPr lang="en-US" dirty="0">
+                <a:solidFill>
+                  <a:schemeClr val="tx1"/>
+                </a:solidFill>
+              </a:rPr>
+              <a:t> – Complete implementation of Characters and Skills</a:t>
+            </a:r>
+          </a:p>
+          <a:p>
+            <a:pPr lvl="1"/>
+            <a:r>
+              <a:rPr lang="en-US" dirty="0">
+                <a:solidFill>
+                  <a:schemeClr val="tx1"/>
+                </a:solidFill>
+              </a:rPr>
+              <a:t>April 15</a:t>
+            </a:r>
+            <a:r>
+              <a:rPr lang="en-US" baseline="30000" dirty="0">
+                <a:solidFill>
+                  <a:schemeClr val="tx1"/>
+                </a:solidFill>
+              </a:rPr>
+              <a:t>th</a:t>
+            </a:r>
+            <a:r>
+              <a:rPr lang="en-US" dirty="0">
+                <a:solidFill>
+                  <a:schemeClr val="tx1"/>
+                </a:solidFill>
+              </a:rPr>
+              <a:t> – Implement map + at least 1 boss</a:t>
+            </a:r>
+          </a:p>
+          <a:p>
+            <a:pPr lvl="1"/>
+            <a:r>
+              <a:rPr lang="en-US" dirty="0">
+                <a:solidFill>
+                  <a:schemeClr val="tx1"/>
+                </a:solidFill>
+              </a:rPr>
+              <a:t>April 30</a:t>
+            </a:r>
+            <a:r>
+              <a:rPr lang="en-US" baseline="30000" dirty="0">
+                <a:solidFill>
+                  <a:schemeClr val="tx1"/>
+                </a:solidFill>
+              </a:rPr>
+              <a:t>th</a:t>
+            </a:r>
+            <a:r>
+              <a:rPr lang="en-US" dirty="0">
+                <a:solidFill>
+                  <a:schemeClr val="tx1"/>
+                </a:solidFill>
+              </a:rPr>
+              <a:t> – Improve Visuals + User Interface </a:t>
+            </a:r>
+          </a:p>
+          <a:p>
+            <a:pPr lvl="1"/>
+            <a:r>
+              <a:rPr lang="en-US" dirty="0">
+                <a:solidFill>
+                  <a:schemeClr val="tx1"/>
+                </a:solidFill>
+              </a:rPr>
+              <a:t>Stretch Goals – Add Story Features, Implement Additional Game Modes, More levels and Bosses</a:t>
+            </a:r>
+          </a:p>
+          <a:p>
+            <a:pPr marL="0" indent="0">
+              <a:buNone/>
+            </a:pPr>
+            <a:endParaRPr lang="en-US" dirty="0"/>
           </a:p>
         </p:txBody>
       </p:sp>
     </p:spTree>
     <p:extLst>
       <p:ext uri="{BB962C8B-B14F-4D97-AF65-F5344CB8AC3E}">
-        <p14:creationId xmlns:p14="http://schemas.microsoft.com/office/powerpoint/2010/main" val="2246746884"/>
+        <p14:creationId xmlns:p14="http://schemas.microsoft.com/office/powerpoint/2010/main" val="2969183844"/>
       </p:ext>
     </p:extLst>
   </p:cSld>
